--- a/PhDefense_SJ.pptx
+++ b/PhDefense_SJ.pptx
@@ -10,11 +10,12 @@
     <p:sldId id="258" r:id="rId4"/>
     <p:sldId id="259" r:id="rId5"/>
     <p:sldId id="260" r:id="rId6"/>
-    <p:sldId id="261" r:id="rId7"/>
-    <p:sldId id="262" r:id="rId8"/>
-    <p:sldId id="263" r:id="rId9"/>
-    <p:sldId id="264" r:id="rId10"/>
-    <p:sldId id="265" r:id="rId11"/>
+    <p:sldId id="266" r:id="rId7"/>
+    <p:sldId id="261" r:id="rId8"/>
+    <p:sldId id="262" r:id="rId9"/>
+    <p:sldId id="263" r:id="rId10"/>
+    <p:sldId id="264" r:id="rId11"/>
+    <p:sldId id="265" r:id="rId12"/>
   </p:sldIdLst>
   <p:sldSz cx="12192000" cy="6858000"/>
   <p:notesSz cx="6858000" cy="9144000"/>
@@ -3359,63 +3360,108 @@
           <a:lstStyle/>
           <a:p>
             <a:r>
-              <a:rPr lang="fr-FR" sz="4400" dirty="0"/>
+              <a:rPr lang="fr-FR" sz="4400" dirty="0">
+                <a:latin typeface="Arial" panose="020B0604020202020204" pitchFamily="34" charset="0"/>
+                <a:cs typeface="Arial" panose="020B0604020202020204" pitchFamily="34" charset="0"/>
+              </a:rPr>
               <a:t>Modeling the </a:t>
             </a:r>
             <a:r>
-              <a:rPr lang="fr-FR" sz="4400" dirty="0" err="1"/>
+              <a:rPr lang="fr-FR" sz="4400" dirty="0" err="1">
+                <a:latin typeface="Arial" panose="020B0604020202020204" pitchFamily="34" charset="0"/>
+                <a:cs typeface="Arial" panose="020B0604020202020204" pitchFamily="34" charset="0"/>
+              </a:rPr>
               <a:t>biodiversity</a:t>
             </a:r>
             <a:r>
-              <a:rPr lang="fr-FR" sz="4400" dirty="0"/>
+              <a:rPr lang="fr-FR" sz="4400" dirty="0">
+                <a:latin typeface="Arial" panose="020B0604020202020204" pitchFamily="34" charset="0"/>
+                <a:cs typeface="Arial" panose="020B0604020202020204" pitchFamily="34" charset="0"/>
+              </a:rPr>
               <a:t> </a:t>
             </a:r>
             <a:r>
-              <a:rPr lang="fr-FR" sz="4400" dirty="0" err="1"/>
+              <a:rPr lang="fr-FR" sz="4400" dirty="0" err="1">
+                <a:latin typeface="Arial" panose="020B0604020202020204" pitchFamily="34" charset="0"/>
+                <a:cs typeface="Arial" panose="020B0604020202020204" pitchFamily="34" charset="0"/>
+              </a:rPr>
               <a:t>crisis</a:t>
             </a:r>
             <a:r>
-              <a:rPr lang="fr-FR" sz="4400" dirty="0"/>
+              <a:rPr lang="fr-FR" sz="4400" dirty="0">
+                <a:latin typeface="Arial" panose="020B0604020202020204" pitchFamily="34" charset="0"/>
+                <a:cs typeface="Arial" panose="020B0604020202020204" pitchFamily="34" charset="0"/>
+              </a:rPr>
               <a:t> : the </a:t>
             </a:r>
             <a:r>
-              <a:rPr lang="fr-FR" sz="4400" dirty="0" err="1"/>
+              <a:rPr lang="fr-FR" sz="4400" dirty="0" err="1">
+                <a:latin typeface="Arial" panose="020B0604020202020204" pitchFamily="34" charset="0"/>
+                <a:cs typeface="Arial" panose="020B0604020202020204" pitchFamily="34" charset="0"/>
+              </a:rPr>
               <a:t>roles</a:t>
             </a:r>
             <a:r>
-              <a:rPr lang="fr-FR" sz="4400" dirty="0"/>
+              <a:rPr lang="fr-FR" sz="4400" dirty="0">
+                <a:latin typeface="Arial" panose="020B0604020202020204" pitchFamily="34" charset="0"/>
+                <a:cs typeface="Arial" panose="020B0604020202020204" pitchFamily="34" charset="0"/>
+              </a:rPr>
               <a:t> of </a:t>
             </a:r>
             <a:r>
-              <a:rPr lang="fr-FR" sz="4400" dirty="0" err="1"/>
+              <a:rPr lang="fr-FR" sz="4400" dirty="0" err="1">
+                <a:latin typeface="Arial" panose="020B0604020202020204" pitchFamily="34" charset="0"/>
+                <a:cs typeface="Arial" panose="020B0604020202020204" pitchFamily="34" charset="0"/>
+              </a:rPr>
               <a:t>space</a:t>
             </a:r>
             <a:r>
-              <a:rPr lang="fr-FR" sz="4400" dirty="0"/>
+              <a:rPr lang="fr-FR" sz="4400" dirty="0">
+                <a:latin typeface="Arial" panose="020B0604020202020204" pitchFamily="34" charset="0"/>
+                <a:cs typeface="Arial" panose="020B0604020202020204" pitchFamily="34" charset="0"/>
+              </a:rPr>
               <a:t> and </a:t>
             </a:r>
             <a:r>
-              <a:rPr lang="fr-FR" sz="4400" dirty="0" err="1"/>
+              <a:rPr lang="fr-FR" sz="4400" dirty="0" err="1">
+                <a:latin typeface="Arial" panose="020B0604020202020204" pitchFamily="34" charset="0"/>
+                <a:cs typeface="Arial" panose="020B0604020202020204" pitchFamily="34" charset="0"/>
+              </a:rPr>
               <a:t>strategic</a:t>
             </a:r>
             <a:r>
-              <a:rPr lang="fr-FR" sz="4400" dirty="0"/>
+              <a:rPr lang="fr-FR" sz="4400" dirty="0">
+                <a:latin typeface="Arial" panose="020B0604020202020204" pitchFamily="34" charset="0"/>
+                <a:cs typeface="Arial" panose="020B0604020202020204" pitchFamily="34" charset="0"/>
+              </a:rPr>
               <a:t> </a:t>
             </a:r>
             <a:r>
-              <a:rPr lang="fr-FR" sz="4400" dirty="0" err="1"/>
+              <a:rPr lang="fr-FR" sz="4400" dirty="0" err="1">
+                <a:latin typeface="Arial" panose="020B0604020202020204" pitchFamily="34" charset="0"/>
+                <a:cs typeface="Arial" panose="020B0604020202020204" pitchFamily="34" charset="0"/>
+              </a:rPr>
               <a:t>behavior</a:t>
             </a:r>
             <a:r>
-              <a:rPr lang="fr-FR" sz="4400" dirty="0"/>
+              <a:rPr lang="fr-FR" sz="4400" dirty="0">
+                <a:latin typeface="Arial" panose="020B0604020202020204" pitchFamily="34" charset="0"/>
+                <a:cs typeface="Arial" panose="020B0604020202020204" pitchFamily="34" charset="0"/>
+              </a:rPr>
               <a:t> in </a:t>
             </a:r>
             <a:r>
-              <a:rPr lang="fr-FR" sz="4400" dirty="0" err="1"/>
+              <a:rPr lang="fr-FR" sz="4400" dirty="0" err="1">
+                <a:latin typeface="Arial" panose="020B0604020202020204" pitchFamily="34" charset="0"/>
+                <a:cs typeface="Arial" panose="020B0604020202020204" pitchFamily="34" charset="0"/>
+              </a:rPr>
               <a:t>bioeconomic</a:t>
             </a:r>
             <a:r>
-              <a:rPr lang="fr-FR" sz="4400" dirty="0"/>
+              <a:rPr lang="fr-FR" sz="4400" dirty="0">
+                <a:latin typeface="Arial" panose="020B0604020202020204" pitchFamily="34" charset="0"/>
+                <a:cs typeface="Arial" panose="020B0604020202020204" pitchFamily="34" charset="0"/>
+              </a:rPr>
               <a:t> modeling</a:t>
             </a:r>
           </a:p>
@@ -3450,99 +3496,168 @@
           <a:lstStyle/>
           <a:p>
             <a:r>
-              <a:rPr lang="fr-FR" dirty="0"/>
+              <a:rPr lang="fr-FR" dirty="0">
+                <a:latin typeface="Arial" panose="020B0604020202020204" pitchFamily="34" charset="0"/>
+                <a:cs typeface="Arial" panose="020B0604020202020204" pitchFamily="34" charset="0"/>
+              </a:rPr>
               <a:t>Supervision : Dr. Lauriane </a:t>
             </a:r>
             <a:r>
-              <a:rPr lang="fr-FR" dirty="0" err="1"/>
+              <a:rPr lang="fr-FR" dirty="0" err="1">
+                <a:latin typeface="Arial" panose="020B0604020202020204" pitchFamily="34" charset="0"/>
+                <a:cs typeface="Arial" panose="020B0604020202020204" pitchFamily="34" charset="0"/>
+              </a:rPr>
               <a:t>Mouysset</a:t>
             </a:r>
             <a:r>
-              <a:rPr lang="fr-FR" dirty="0"/>
+              <a:rPr lang="fr-FR" dirty="0">
+                <a:latin typeface="Arial" panose="020B0604020202020204" pitchFamily="34" charset="0"/>
+                <a:cs typeface="Arial" panose="020B0604020202020204" pitchFamily="34" charset="0"/>
+              </a:rPr>
               <a:t> (CNRS, CIRED) &amp; Dr. Christopher Costello (UC Santa Barbara)</a:t>
             </a:r>
           </a:p>
           <a:p>
             <a:r>
-              <a:rPr lang="fr-FR" dirty="0" err="1"/>
+              <a:rPr lang="fr-FR" dirty="0" err="1">
+                <a:latin typeface="Arial" panose="020B0604020202020204" pitchFamily="34" charset="0"/>
+                <a:cs typeface="Arial" panose="020B0604020202020204" pitchFamily="34" charset="0"/>
+              </a:rPr>
               <a:t>Reviewers</a:t>
             </a:r>
             <a:r>
-              <a:rPr lang="fr-FR" dirty="0"/>
+              <a:rPr lang="fr-FR" dirty="0">
+                <a:latin typeface="Arial" panose="020B0604020202020204" pitchFamily="34" charset="0"/>
+                <a:cs typeface="Arial" panose="020B0604020202020204" pitchFamily="34" charset="0"/>
+              </a:rPr>
               <a:t> : Dr. Nicolas </a:t>
             </a:r>
             <a:r>
-              <a:rPr lang="fr-FR" dirty="0" err="1"/>
+              <a:rPr lang="fr-FR" dirty="0" err="1">
+                <a:latin typeface="Arial" panose="020B0604020202020204" pitchFamily="34" charset="0"/>
+                <a:cs typeface="Arial" panose="020B0604020202020204" pitchFamily="34" charset="0"/>
+              </a:rPr>
               <a:t>Quérou</a:t>
             </a:r>
             <a:r>
-              <a:rPr lang="fr-FR" dirty="0"/>
+              <a:rPr lang="fr-FR" dirty="0">
+                <a:latin typeface="Arial" panose="020B0604020202020204" pitchFamily="34" charset="0"/>
+                <a:cs typeface="Arial" panose="020B0604020202020204" pitchFamily="34" charset="0"/>
+              </a:rPr>
               <a:t> (CNRS, CEE-M) &amp; Dr. Agnès </a:t>
             </a:r>
             <a:r>
-              <a:rPr lang="fr-FR" dirty="0" err="1"/>
+              <a:rPr lang="fr-FR" dirty="0" err="1">
+                <a:latin typeface="Arial" panose="020B0604020202020204" pitchFamily="34" charset="0"/>
+                <a:cs typeface="Arial" panose="020B0604020202020204" pitchFamily="34" charset="0"/>
+              </a:rPr>
               <a:t>Tomini</a:t>
             </a:r>
             <a:r>
-              <a:rPr lang="fr-FR" dirty="0"/>
+              <a:rPr lang="fr-FR" dirty="0">
+                <a:latin typeface="Arial" panose="020B0604020202020204" pitchFamily="34" charset="0"/>
+                <a:cs typeface="Arial" panose="020B0604020202020204" pitchFamily="34" charset="0"/>
+              </a:rPr>
               <a:t> (CNRS, AMSE)</a:t>
             </a:r>
           </a:p>
           <a:p>
             <a:r>
-              <a:rPr lang="fr-FR" dirty="0" err="1"/>
+              <a:rPr lang="fr-FR" dirty="0" err="1">
+                <a:latin typeface="Arial" panose="020B0604020202020204" pitchFamily="34" charset="0"/>
+                <a:cs typeface="Arial" panose="020B0604020202020204" pitchFamily="34" charset="0"/>
+              </a:rPr>
               <a:t>Examiners</a:t>
             </a:r>
             <a:r>
-              <a:rPr lang="fr-FR" dirty="0"/>
+              <a:rPr lang="fr-FR" dirty="0">
+                <a:latin typeface="Arial" panose="020B0604020202020204" pitchFamily="34" charset="0"/>
+                <a:cs typeface="Arial" panose="020B0604020202020204" pitchFamily="34" charset="0"/>
+              </a:rPr>
               <a:t> : Dr. Mireille </a:t>
             </a:r>
             <a:r>
-              <a:rPr lang="fr-FR" dirty="0" err="1"/>
+              <a:rPr lang="fr-FR" dirty="0" err="1">
+                <a:latin typeface="Arial" panose="020B0604020202020204" pitchFamily="34" charset="0"/>
+                <a:cs typeface="Arial" panose="020B0604020202020204" pitchFamily="34" charset="0"/>
+              </a:rPr>
               <a:t>Chiroleu</a:t>
             </a:r>
             <a:r>
-              <a:rPr lang="fr-FR" dirty="0"/>
+              <a:rPr lang="fr-FR" dirty="0">
+                <a:latin typeface="Arial" panose="020B0604020202020204" pitchFamily="34" charset="0"/>
+                <a:cs typeface="Arial" panose="020B0604020202020204" pitchFamily="34" charset="0"/>
+              </a:rPr>
               <a:t>-Assouline (PSE), Dr. Charles </a:t>
             </a:r>
             <a:r>
-              <a:rPr lang="fr-FR" dirty="0" err="1"/>
+              <a:rPr lang="fr-FR" dirty="0" err="1">
+                <a:latin typeface="Arial" panose="020B0604020202020204" pitchFamily="34" charset="0"/>
+                <a:cs typeface="Arial" panose="020B0604020202020204" pitchFamily="34" charset="0"/>
+              </a:rPr>
               <a:t>Figuières</a:t>
             </a:r>
             <a:r>
-              <a:rPr lang="fr-FR" dirty="0"/>
+              <a:rPr lang="fr-FR" dirty="0">
+                <a:latin typeface="Arial" panose="020B0604020202020204" pitchFamily="34" charset="0"/>
+                <a:cs typeface="Arial" panose="020B0604020202020204" pitchFamily="34" charset="0"/>
+              </a:rPr>
               <a:t> (AMSE), Dr. Martin </a:t>
             </a:r>
             <a:r>
-              <a:rPr lang="fr-FR" dirty="0" err="1"/>
+              <a:rPr lang="fr-FR" dirty="0" err="1">
+                <a:latin typeface="Arial" panose="020B0604020202020204" pitchFamily="34" charset="0"/>
+                <a:cs typeface="Arial" panose="020B0604020202020204" pitchFamily="34" charset="0"/>
+              </a:rPr>
               <a:t>Quaas</a:t>
             </a:r>
             <a:r>
-              <a:rPr lang="fr-FR" dirty="0"/>
+              <a:rPr lang="fr-FR" dirty="0">
+                <a:latin typeface="Arial" panose="020B0604020202020204" pitchFamily="34" charset="0"/>
+                <a:cs typeface="Arial" panose="020B0604020202020204" pitchFamily="34" charset="0"/>
+              </a:rPr>
               <a:t> (</a:t>
             </a:r>
             <a:r>
-              <a:rPr lang="fr-FR" dirty="0" err="1"/>
+              <a:rPr lang="fr-FR" dirty="0" err="1">
+                <a:latin typeface="Arial" panose="020B0604020202020204" pitchFamily="34" charset="0"/>
+                <a:cs typeface="Arial" panose="020B0604020202020204" pitchFamily="34" charset="0"/>
+              </a:rPr>
               <a:t>University</a:t>
             </a:r>
             <a:r>
-              <a:rPr lang="fr-FR" dirty="0"/>
+              <a:rPr lang="fr-FR" dirty="0">
+                <a:latin typeface="Arial" panose="020B0604020202020204" pitchFamily="34" charset="0"/>
+                <a:cs typeface="Arial" panose="020B0604020202020204" pitchFamily="34" charset="0"/>
+              </a:rPr>
               <a:t> of Leipzig,  </a:t>
             </a:r>
             <a:r>
-              <a:rPr lang="fr-FR" dirty="0" err="1"/>
+              <a:rPr lang="fr-FR" dirty="0" err="1">
+                <a:latin typeface="Arial" panose="020B0604020202020204" pitchFamily="34" charset="0"/>
+                <a:cs typeface="Arial" panose="020B0604020202020204" pitchFamily="34" charset="0"/>
+              </a:rPr>
               <a:t>iDiv</a:t>
             </a:r>
             <a:r>
-              <a:rPr lang="fr-FR" dirty="0"/>
+              <a:rPr lang="fr-FR" dirty="0">
+                <a:latin typeface="Arial" panose="020B0604020202020204" pitchFamily="34" charset="0"/>
+                <a:cs typeface="Arial" panose="020B0604020202020204" pitchFamily="34" charset="0"/>
+              </a:rPr>
               <a:t>) and Dr. Jim </a:t>
             </a:r>
             <a:r>
-              <a:rPr lang="fr-FR" dirty="0" err="1"/>
+              <a:rPr lang="fr-FR" dirty="0" err="1">
+                <a:latin typeface="Arial" panose="020B0604020202020204" pitchFamily="34" charset="0"/>
+                <a:cs typeface="Arial" panose="020B0604020202020204" pitchFamily="34" charset="0"/>
+              </a:rPr>
               <a:t>Sanchirico</a:t>
             </a:r>
             <a:r>
-              <a:rPr lang="fr-FR" dirty="0"/>
+              <a:rPr lang="fr-FR" dirty="0">
+                <a:latin typeface="Arial" panose="020B0604020202020204" pitchFamily="34" charset="0"/>
+                <a:cs typeface="Arial" panose="020B0604020202020204" pitchFamily="34" charset="0"/>
+              </a:rPr>
               <a:t> (UC Davis)</a:t>
             </a:r>
           </a:p>
@@ -3578,7 +3693,10 @@
           <a:p>
             <a:pPr algn="ctr"/>
             <a:r>
-              <a:rPr lang="fr-FR" dirty="0"/>
+              <a:rPr lang="fr-FR" dirty="0">
+                <a:latin typeface="Arial" panose="020B0604020202020204" pitchFamily="34" charset="0"/>
+                <a:cs typeface="Arial" panose="020B0604020202020204" pitchFamily="34" charset="0"/>
+              </a:rPr>
               <a:t>PhD Defense – Simon Jean</a:t>
             </a:r>
           </a:p>
@@ -3619,6 +3737,89 @@
           <p:cNvPr id="2" name="Titre 1">
             <a:extLst>
               <a:ext uri="{FF2B5EF4-FFF2-40B4-BE49-F238E27FC236}">
+                <a16:creationId xmlns:a16="http://schemas.microsoft.com/office/drawing/2014/main" id="{8E49E0E6-085D-C797-16B2-EF1201358244}"/>
+              </a:ext>
+            </a:extLst>
+          </p:cNvPr>
+          <p:cNvSpPr>
+            <a:spLocks noGrp="1"/>
+          </p:cNvSpPr>
+          <p:nvPr>
+            <p:ph type="title"/>
+          </p:nvPr>
+        </p:nvSpPr>
+        <p:spPr/>
+        <p:txBody>
+          <a:bodyPr/>
+          <a:lstStyle/>
+          <a:p>
+            <a:r>
+              <a:rPr lang="fr-FR" dirty="0"/>
+              <a:t>Chapter 4</a:t>
+            </a:r>
+          </a:p>
+        </p:txBody>
+      </p:sp>
+      <p:sp>
+        <p:nvSpPr>
+          <p:cNvPr id="3" name="Espace réservé du contenu 2">
+            <a:extLst>
+              <a:ext uri="{FF2B5EF4-FFF2-40B4-BE49-F238E27FC236}">
+                <a16:creationId xmlns:a16="http://schemas.microsoft.com/office/drawing/2014/main" id="{EFE2416A-2629-6CB0-D2E7-E81BA8CB3E17}"/>
+              </a:ext>
+            </a:extLst>
+          </p:cNvPr>
+          <p:cNvSpPr>
+            <a:spLocks noGrp="1"/>
+          </p:cNvSpPr>
+          <p:nvPr>
+            <p:ph idx="1"/>
+          </p:nvPr>
+        </p:nvSpPr>
+        <p:spPr/>
+        <p:txBody>
+          <a:bodyPr/>
+          <a:lstStyle/>
+          <a:p>
+            <a:endParaRPr lang="fr-FR"/>
+          </a:p>
+        </p:txBody>
+      </p:sp>
+    </p:spTree>
+    <p:extLst>
+      <p:ext uri="{BB962C8B-B14F-4D97-AF65-F5344CB8AC3E}">
+        <p14:creationId xmlns:p14="http://schemas.microsoft.com/office/powerpoint/2010/main" val="1029331973"/>
+      </p:ext>
+    </p:extLst>
+  </p:cSld>
+  <p:clrMapOvr>
+    <a:masterClrMapping/>
+  </p:clrMapOvr>
+</p:sld>
+</file>
+
+<file path=ppt/slides/slide11.xml><?xml version="1.0" encoding="utf-8"?>
+<p:sld xmlns:a="http://schemas.openxmlformats.org/drawingml/2006/main" xmlns:r="http://schemas.openxmlformats.org/officeDocument/2006/relationships" xmlns:p="http://schemas.openxmlformats.org/presentationml/2006/main">
+  <p:cSld>
+    <p:spTree>
+      <p:nvGrpSpPr>
+        <p:cNvPr id="1" name=""/>
+        <p:cNvGrpSpPr/>
+        <p:nvPr/>
+      </p:nvGrpSpPr>
+      <p:grpSpPr>
+        <a:xfrm>
+          <a:off x="0" y="0"/>
+          <a:ext cx="0" cy="0"/>
+          <a:chOff x="0" y="0"/>
+          <a:chExt cx="0" cy="0"/>
+        </a:xfrm>
+      </p:grpSpPr>
+      <p:sp>
+        <p:nvSpPr>
+          <p:cNvPr id="2" name="Titre 1">
+            <a:extLst>
+              <a:ext uri="{FF2B5EF4-FFF2-40B4-BE49-F238E27FC236}">
                 <a16:creationId xmlns:a16="http://schemas.microsoft.com/office/drawing/2014/main" id="{B770D2D2-4ED7-8117-C3BD-5DD9AE5090B6}"/>
               </a:ext>
             </a:extLst>
@@ -3636,7 +3837,7 @@
           <a:lstStyle/>
           <a:p>
             <a:r>
-              <a:rPr lang="fr-FR"/>
+              <a:rPr lang="fr-FR" dirty="0"/>
               <a:t>Conclusion</a:t>
             </a:r>
           </a:p>
@@ -4429,12 +4630,367 @@
             <p:ph idx="1"/>
           </p:nvPr>
         </p:nvSpPr>
-        <p:spPr/>
-        <p:txBody>
-          <a:bodyPr/>
-          <a:lstStyle/>
-          <a:p>
-            <a:endParaRPr lang="fr-FR"/>
+        <p:spPr>
+          <a:xfrm>
+            <a:off x="838200" y="1449421"/>
+            <a:ext cx="5257800" cy="4727542"/>
+          </a:xfrm>
+        </p:spPr>
+        <p:txBody>
+          <a:bodyPr>
+            <a:normAutofit fontScale="92500" lnSpcReduction="10000"/>
+          </a:bodyPr>
+          <a:lstStyle/>
+          <a:p>
+            <a:r>
+              <a:rPr lang="fr-FR" dirty="0"/>
+              <a:t>Chapter 1: </a:t>
+            </a:r>
+            <a:r>
+              <a:rPr lang="fr-FR" dirty="0" err="1"/>
+              <a:t>Bioeconomic</a:t>
+            </a:r>
+            <a:r>
+              <a:rPr lang="fr-FR" dirty="0"/>
+              <a:t> </a:t>
+            </a:r>
+            <a:r>
+              <a:rPr lang="fr-FR" dirty="0" err="1"/>
+              <a:t>Models</a:t>
+            </a:r>
+            <a:r>
+              <a:rPr lang="fr-FR" dirty="0"/>
+              <a:t> for </a:t>
+            </a:r>
+            <a:r>
+              <a:rPr lang="fr-FR" dirty="0" err="1"/>
+              <a:t>Terrestrial</a:t>
+            </a:r>
+            <a:r>
+              <a:rPr lang="fr-FR" dirty="0"/>
+              <a:t> Social </a:t>
+            </a:r>
+            <a:r>
+              <a:rPr lang="fr-FR" dirty="0" err="1"/>
+              <a:t>Ecological</a:t>
+            </a:r>
+            <a:r>
+              <a:rPr lang="fr-FR" dirty="0"/>
+              <a:t> System Management, </a:t>
+            </a:r>
+          </a:p>
+          <a:p>
+            <a:r>
+              <a:rPr lang="fr-FR" dirty="0"/>
+              <a:t>Chapter 2: The </a:t>
+            </a:r>
+            <a:r>
+              <a:rPr lang="fr-FR" dirty="0" err="1"/>
+              <a:t>Wildfire</a:t>
+            </a:r>
+            <a:r>
+              <a:rPr lang="fr-FR" dirty="0"/>
+              <a:t> Habitat Connectivity </a:t>
+            </a:r>
+            <a:r>
+              <a:rPr lang="fr-FR" dirty="0" err="1"/>
+              <a:t>Dilemma</a:t>
+            </a:r>
+            <a:r>
+              <a:rPr lang="fr-FR" dirty="0"/>
+              <a:t> : a Graph </a:t>
+            </a:r>
+            <a:r>
+              <a:rPr lang="fr-FR" dirty="0" err="1"/>
+              <a:t>Theoretical</a:t>
+            </a:r>
+            <a:r>
+              <a:rPr lang="fr-FR" dirty="0"/>
+              <a:t> </a:t>
+            </a:r>
+            <a:r>
+              <a:rPr lang="fr-FR" dirty="0" err="1"/>
+              <a:t>Approach</a:t>
+            </a:r>
+            <a:r>
+              <a:rPr lang="fr-FR" dirty="0"/>
+              <a:t> to </a:t>
+            </a:r>
+            <a:r>
+              <a:rPr lang="fr-FR" dirty="0" err="1"/>
+              <a:t>Landscape</a:t>
+            </a:r>
+            <a:r>
+              <a:rPr lang="fr-FR" dirty="0"/>
+              <a:t> Management</a:t>
+            </a:r>
+          </a:p>
+          <a:p>
+            <a:r>
+              <a:rPr lang="fr-FR" dirty="0"/>
+              <a:t>Chapter 3: Fences – the Economics of Connectivity in Spatial </a:t>
+            </a:r>
+            <a:r>
+              <a:rPr lang="fr-FR" dirty="0" err="1"/>
+              <a:t>Renewable</a:t>
+            </a:r>
+            <a:r>
+              <a:rPr lang="fr-FR" dirty="0"/>
+              <a:t> </a:t>
+            </a:r>
+            <a:r>
+              <a:rPr lang="fr-FR" dirty="0" err="1"/>
+              <a:t>Resources</a:t>
+            </a:r>
+            <a:endParaRPr lang="fr-FR" dirty="0"/>
+          </a:p>
+          <a:p>
+            <a:r>
+              <a:rPr lang="fr-FR" dirty="0"/>
+              <a:t>Chapter 4: Little </a:t>
+            </a:r>
+            <a:r>
+              <a:rPr lang="fr-FR" dirty="0" err="1"/>
+              <a:t>Downside</a:t>
+            </a:r>
+            <a:r>
+              <a:rPr lang="fr-FR" dirty="0"/>
+              <a:t> and </a:t>
+            </a:r>
+            <a:r>
+              <a:rPr lang="fr-FR" dirty="0" err="1"/>
+              <a:t>Substantial</a:t>
+            </a:r>
+            <a:r>
+              <a:rPr lang="fr-FR" dirty="0"/>
+              <a:t> Gains Result from Farming of Totoaba </a:t>
+            </a:r>
+            <a:r>
+              <a:rPr lang="fr-FR" dirty="0" err="1"/>
+              <a:t>Macdonaldi</a:t>
+            </a:r>
+            <a:endParaRPr lang="fr-FR" i="1" dirty="0"/>
+          </a:p>
+        </p:txBody>
+      </p:sp>
+      <p:sp>
+        <p:nvSpPr>
+          <p:cNvPr id="4" name="Espace réservé du contenu 2">
+            <a:extLst>
+              <a:ext uri="{FF2B5EF4-FFF2-40B4-BE49-F238E27FC236}">
+                <a16:creationId xmlns:a16="http://schemas.microsoft.com/office/drawing/2014/main" id="{5474A2C6-D810-3958-D7B1-4AD3D98A0241}"/>
+              </a:ext>
+            </a:extLst>
+          </p:cNvPr>
+          <p:cNvSpPr txBox="1">
+            <a:spLocks/>
+          </p:cNvSpPr>
+          <p:nvPr/>
+        </p:nvSpPr>
+        <p:spPr>
+          <a:xfrm>
+            <a:off x="6214353" y="1436451"/>
+            <a:ext cx="5257800" cy="4727542"/>
+          </a:xfrm>
+          <a:prstGeom prst="rect">
+            <a:avLst/>
+          </a:prstGeom>
+        </p:spPr>
+        <p:txBody>
+          <a:bodyPr vert="horz" lIns="91440" tIns="45720" rIns="91440" bIns="45720" rtlCol="0">
+            <a:normAutofit/>
+          </a:bodyPr>
+          <a:lstStyle>
+            <a:lvl1pPr marL="228600" indent="-228600" algn="l" defTabSz="914400" rtl="0" eaLnBrk="1" latinLnBrk="0" hangingPunct="1">
+              <a:lnSpc>
+                <a:spcPct val="90000"/>
+              </a:lnSpc>
+              <a:spcBef>
+                <a:spcPts val="1000"/>
+              </a:spcBef>
+              <a:buFont typeface="Arial" panose="020B0604020202020204" pitchFamily="34" charset="0"/>
+              <a:buChar char="•"/>
+              <a:defRPr sz="2800" kern="1200">
+                <a:solidFill>
+                  <a:schemeClr val="tx1"/>
+                </a:solidFill>
+                <a:latin typeface="+mn-lt"/>
+                <a:ea typeface="+mn-ea"/>
+                <a:cs typeface="+mn-cs"/>
+              </a:defRPr>
+            </a:lvl1pPr>
+            <a:lvl2pPr marL="685800" indent="-228600" algn="l" defTabSz="914400" rtl="0" eaLnBrk="1" latinLnBrk="0" hangingPunct="1">
+              <a:lnSpc>
+                <a:spcPct val="90000"/>
+              </a:lnSpc>
+              <a:spcBef>
+                <a:spcPts val="500"/>
+              </a:spcBef>
+              <a:buFont typeface="Arial" panose="020B0604020202020204" pitchFamily="34" charset="0"/>
+              <a:buChar char="•"/>
+              <a:defRPr sz="2400" kern="1200">
+                <a:solidFill>
+                  <a:schemeClr val="tx1"/>
+                </a:solidFill>
+                <a:latin typeface="+mn-lt"/>
+                <a:ea typeface="+mn-ea"/>
+                <a:cs typeface="+mn-cs"/>
+              </a:defRPr>
+            </a:lvl2pPr>
+            <a:lvl3pPr marL="1143000" indent="-228600" algn="l" defTabSz="914400" rtl="0" eaLnBrk="1" latinLnBrk="0" hangingPunct="1">
+              <a:lnSpc>
+                <a:spcPct val="90000"/>
+              </a:lnSpc>
+              <a:spcBef>
+                <a:spcPts val="500"/>
+              </a:spcBef>
+              <a:buFont typeface="Arial" panose="020B0604020202020204" pitchFamily="34" charset="0"/>
+              <a:buChar char="•"/>
+              <a:defRPr sz="2000" kern="1200">
+                <a:solidFill>
+                  <a:schemeClr val="tx1"/>
+                </a:solidFill>
+                <a:latin typeface="+mn-lt"/>
+                <a:ea typeface="+mn-ea"/>
+                <a:cs typeface="+mn-cs"/>
+              </a:defRPr>
+            </a:lvl3pPr>
+            <a:lvl4pPr marL="1600200" indent="-228600" algn="l" defTabSz="914400" rtl="0" eaLnBrk="1" latinLnBrk="0" hangingPunct="1">
+              <a:lnSpc>
+                <a:spcPct val="90000"/>
+              </a:lnSpc>
+              <a:spcBef>
+                <a:spcPts val="500"/>
+              </a:spcBef>
+              <a:buFont typeface="Arial" panose="020B0604020202020204" pitchFamily="34" charset="0"/>
+              <a:buChar char="•"/>
+              <a:defRPr sz="1800" kern="1200">
+                <a:solidFill>
+                  <a:schemeClr val="tx1"/>
+                </a:solidFill>
+                <a:latin typeface="+mn-lt"/>
+                <a:ea typeface="+mn-ea"/>
+                <a:cs typeface="+mn-cs"/>
+              </a:defRPr>
+            </a:lvl4pPr>
+            <a:lvl5pPr marL="2057400" indent="-228600" algn="l" defTabSz="914400" rtl="0" eaLnBrk="1" latinLnBrk="0" hangingPunct="1">
+              <a:lnSpc>
+                <a:spcPct val="90000"/>
+              </a:lnSpc>
+              <a:spcBef>
+                <a:spcPts val="500"/>
+              </a:spcBef>
+              <a:buFont typeface="Arial" panose="020B0604020202020204" pitchFamily="34" charset="0"/>
+              <a:buChar char="•"/>
+              <a:defRPr sz="1800" kern="1200">
+                <a:solidFill>
+                  <a:schemeClr val="tx1"/>
+                </a:solidFill>
+                <a:latin typeface="+mn-lt"/>
+                <a:ea typeface="+mn-ea"/>
+                <a:cs typeface="+mn-cs"/>
+              </a:defRPr>
+            </a:lvl5pPr>
+            <a:lvl6pPr marL="2514600" indent="-228600" algn="l" defTabSz="914400" rtl="0" eaLnBrk="1" latinLnBrk="0" hangingPunct="1">
+              <a:lnSpc>
+                <a:spcPct val="90000"/>
+              </a:lnSpc>
+              <a:spcBef>
+                <a:spcPts val="500"/>
+              </a:spcBef>
+              <a:buFont typeface="Arial" panose="020B0604020202020204" pitchFamily="34" charset="0"/>
+              <a:buChar char="•"/>
+              <a:defRPr sz="1800" kern="1200">
+                <a:solidFill>
+                  <a:schemeClr val="tx1"/>
+                </a:solidFill>
+                <a:latin typeface="+mn-lt"/>
+                <a:ea typeface="+mn-ea"/>
+                <a:cs typeface="+mn-cs"/>
+              </a:defRPr>
+            </a:lvl6pPr>
+            <a:lvl7pPr marL="2971800" indent="-228600" algn="l" defTabSz="914400" rtl="0" eaLnBrk="1" latinLnBrk="0" hangingPunct="1">
+              <a:lnSpc>
+                <a:spcPct val="90000"/>
+              </a:lnSpc>
+              <a:spcBef>
+                <a:spcPts val="500"/>
+              </a:spcBef>
+              <a:buFont typeface="Arial" panose="020B0604020202020204" pitchFamily="34" charset="0"/>
+              <a:buChar char="•"/>
+              <a:defRPr sz="1800" kern="1200">
+                <a:solidFill>
+                  <a:schemeClr val="tx1"/>
+                </a:solidFill>
+                <a:latin typeface="+mn-lt"/>
+                <a:ea typeface="+mn-ea"/>
+                <a:cs typeface="+mn-cs"/>
+              </a:defRPr>
+            </a:lvl7pPr>
+            <a:lvl8pPr marL="3429000" indent="-228600" algn="l" defTabSz="914400" rtl="0" eaLnBrk="1" latinLnBrk="0" hangingPunct="1">
+              <a:lnSpc>
+                <a:spcPct val="90000"/>
+              </a:lnSpc>
+              <a:spcBef>
+                <a:spcPts val="500"/>
+              </a:spcBef>
+              <a:buFont typeface="Arial" panose="020B0604020202020204" pitchFamily="34" charset="0"/>
+              <a:buChar char="•"/>
+              <a:defRPr sz="1800" kern="1200">
+                <a:solidFill>
+                  <a:schemeClr val="tx1"/>
+                </a:solidFill>
+                <a:latin typeface="+mn-lt"/>
+                <a:ea typeface="+mn-ea"/>
+                <a:cs typeface="+mn-cs"/>
+              </a:defRPr>
+            </a:lvl8pPr>
+            <a:lvl9pPr marL="3886200" indent="-228600" algn="l" defTabSz="914400" rtl="0" eaLnBrk="1" latinLnBrk="0" hangingPunct="1">
+              <a:lnSpc>
+                <a:spcPct val="90000"/>
+              </a:lnSpc>
+              <a:spcBef>
+                <a:spcPts val="500"/>
+              </a:spcBef>
+              <a:buFont typeface="Arial" panose="020B0604020202020204" pitchFamily="34" charset="0"/>
+              <a:buChar char="•"/>
+              <a:defRPr sz="1800" kern="1200">
+                <a:solidFill>
+                  <a:schemeClr val="tx1"/>
+                </a:solidFill>
+                <a:latin typeface="+mn-lt"/>
+                <a:ea typeface="+mn-ea"/>
+                <a:cs typeface="+mn-cs"/>
+              </a:defRPr>
+            </a:lvl9pPr>
+          </a:lstStyle>
+          <a:p>
+            <a:r>
+              <a:rPr lang="fr-FR" dirty="0"/>
+              <a:t>Table with how </a:t>
+            </a:r>
+            <a:r>
+              <a:rPr lang="fr-FR" dirty="0" err="1"/>
+              <a:t>each</a:t>
+            </a:r>
+            <a:r>
+              <a:rPr lang="fr-FR" dirty="0"/>
+              <a:t> chapter </a:t>
+            </a:r>
+            <a:r>
+              <a:rPr lang="fr-FR" dirty="0" err="1"/>
+              <a:t>answers</a:t>
+            </a:r>
+            <a:r>
+              <a:rPr lang="fr-FR" dirty="0"/>
+              <a:t> the research questions</a:t>
+            </a:r>
+          </a:p>
+          <a:p>
+            <a:pPr marL="0" indent="0">
+              <a:buNone/>
+            </a:pPr>
+            <a:endParaRPr lang="fr-FR" i="1" dirty="0"/>
           </a:p>
         </p:txBody>
       </p:sp>
@@ -4470,38 +5026,10 @@
       </p:grpSpPr>
       <p:sp>
         <p:nvSpPr>
-          <p:cNvPr id="2" name="Titre 1">
-            <a:extLst>
-              <a:ext uri="{FF2B5EF4-FFF2-40B4-BE49-F238E27FC236}">
-                <a16:creationId xmlns:a16="http://schemas.microsoft.com/office/drawing/2014/main" id="{F8E5558D-8A7A-25EE-E166-14A6D25AC4F6}"/>
-              </a:ext>
-            </a:extLst>
-          </p:cNvPr>
-          <p:cNvSpPr>
-            <a:spLocks noGrp="1"/>
-          </p:cNvSpPr>
-          <p:nvPr>
-            <p:ph type="title"/>
-          </p:nvPr>
-        </p:nvSpPr>
-        <p:spPr/>
-        <p:txBody>
-          <a:bodyPr/>
-          <a:lstStyle/>
-          <a:p>
-            <a:r>
-              <a:rPr lang="fr-FR" dirty="0"/>
-              <a:t>Chapter 1</a:t>
-            </a:r>
-          </a:p>
-        </p:txBody>
-      </p:sp>
-      <p:sp>
-        <p:nvSpPr>
           <p:cNvPr id="3" name="Espace réservé du contenu 2">
             <a:extLst>
               <a:ext uri="{FF2B5EF4-FFF2-40B4-BE49-F238E27FC236}">
-                <a16:creationId xmlns:a16="http://schemas.microsoft.com/office/drawing/2014/main" id="{EB627CCF-17B5-2153-5124-2D291F041561}"/>
+                <a16:creationId xmlns:a16="http://schemas.microsoft.com/office/drawing/2014/main" id="{7B0B77DE-1FB9-3D00-0418-257FE9FA71EC}"/>
               </a:ext>
             </a:extLst>
           </p:cNvPr>
@@ -4512,19 +5040,64 @@
             <p:ph idx="1"/>
           </p:nvPr>
         </p:nvSpPr>
-        <p:spPr/>
-        <p:txBody>
-          <a:bodyPr/>
-          <a:lstStyle/>
-          <a:p>
-            <a:endParaRPr lang="fr-FR"/>
+        <p:spPr>
+          <a:xfrm>
+            <a:off x="838200" y="875489"/>
+            <a:ext cx="10515600" cy="5301474"/>
+          </a:xfrm>
+        </p:spPr>
+        <p:txBody>
+          <a:bodyPr/>
+          <a:lstStyle/>
+          <a:p>
+            <a:r>
+              <a:rPr lang="fr-FR" dirty="0"/>
+              <a:t>Chapter </a:t>
+            </a:r>
+            <a:r>
+              <a:rPr lang="fr-FR" dirty="0" err="1"/>
+              <a:t>list</a:t>
+            </a:r>
+            <a:r>
+              <a:rPr lang="fr-FR" dirty="0"/>
+              <a:t> to </a:t>
+            </a:r>
+            <a:r>
+              <a:rPr lang="fr-FR" dirty="0" err="1"/>
+              <a:t>be</a:t>
+            </a:r>
+            <a:r>
+              <a:rPr lang="fr-FR" dirty="0"/>
+              <a:t> </a:t>
+            </a:r>
+            <a:r>
+              <a:rPr lang="fr-FR" dirty="0" err="1"/>
+              <a:t>reused</a:t>
+            </a:r>
+            <a:r>
+              <a:rPr lang="fr-FR" dirty="0"/>
+              <a:t> </a:t>
+            </a:r>
+            <a:r>
+              <a:rPr lang="fr-FR" dirty="0" err="1"/>
+              <a:t>between</a:t>
+            </a:r>
+            <a:r>
+              <a:rPr lang="fr-FR" dirty="0"/>
+              <a:t> </a:t>
+            </a:r>
+            <a:r>
+              <a:rPr lang="fr-FR" dirty="0" err="1"/>
+              <a:t>chapters</a:t>
+            </a:r>
+            <a:endParaRPr lang="fr-FR" dirty="0"/>
           </a:p>
         </p:txBody>
       </p:sp>
     </p:spTree>
     <p:extLst>
       <p:ext uri="{BB962C8B-B14F-4D97-AF65-F5344CB8AC3E}">
-        <p14:creationId xmlns:p14="http://schemas.microsoft.com/office/powerpoint/2010/main" val="3240462236"/>
+        <p14:creationId xmlns:p14="http://schemas.microsoft.com/office/powerpoint/2010/main" val="2305094512"/>
       </p:ext>
     </p:extLst>
   </p:cSld>
@@ -4556,7 +5129,7 @@
           <p:cNvPr id="2" name="Titre 1">
             <a:extLst>
               <a:ext uri="{FF2B5EF4-FFF2-40B4-BE49-F238E27FC236}">
-                <a16:creationId xmlns:a16="http://schemas.microsoft.com/office/drawing/2014/main" id="{29F65D20-8F85-58D8-E0C0-6EA4F1BD0277}"/>
+                <a16:creationId xmlns:a16="http://schemas.microsoft.com/office/drawing/2014/main" id="{F8E5558D-8A7A-25EE-E166-14A6D25AC4F6}"/>
               </a:ext>
             </a:extLst>
           </p:cNvPr>
@@ -4574,7 +5147,7 @@
           <a:p>
             <a:r>
               <a:rPr lang="fr-FR" dirty="0"/>
-              <a:t>Chapter 2</a:t>
+              <a:t>Chapter 1</a:t>
             </a:r>
           </a:p>
         </p:txBody>
@@ -4584,7 +5157,7 @@
           <p:cNvPr id="3" name="Espace réservé du contenu 2">
             <a:extLst>
               <a:ext uri="{FF2B5EF4-FFF2-40B4-BE49-F238E27FC236}">
-                <a16:creationId xmlns:a16="http://schemas.microsoft.com/office/drawing/2014/main" id="{D9D7C062-87E7-BEA8-710D-12A4B7D06F67}"/>
+                <a16:creationId xmlns:a16="http://schemas.microsoft.com/office/drawing/2014/main" id="{EB627CCF-17B5-2153-5124-2D291F041561}"/>
               </a:ext>
             </a:extLst>
           </p:cNvPr>
@@ -4607,7 +5180,7 @@
     </p:spTree>
     <p:extLst>
       <p:ext uri="{BB962C8B-B14F-4D97-AF65-F5344CB8AC3E}">
-        <p14:creationId xmlns:p14="http://schemas.microsoft.com/office/powerpoint/2010/main" val="1985818008"/>
+        <p14:creationId xmlns:p14="http://schemas.microsoft.com/office/powerpoint/2010/main" val="3240462236"/>
       </p:ext>
     </p:extLst>
   </p:cSld>
@@ -4639,7 +5212,7 @@
           <p:cNvPr id="2" name="Titre 1">
             <a:extLst>
               <a:ext uri="{FF2B5EF4-FFF2-40B4-BE49-F238E27FC236}">
-                <a16:creationId xmlns:a16="http://schemas.microsoft.com/office/drawing/2014/main" id="{0A046EEC-D4AE-32F5-F4BA-973F73D96558}"/>
+                <a16:creationId xmlns:a16="http://schemas.microsoft.com/office/drawing/2014/main" id="{29F65D20-8F85-58D8-E0C0-6EA4F1BD0277}"/>
               </a:ext>
             </a:extLst>
           </p:cNvPr>
@@ -4657,7 +5230,7 @@
           <a:p>
             <a:r>
               <a:rPr lang="fr-FR" dirty="0"/>
-              <a:t>Chapter 3</a:t>
+              <a:t>Chapter 2</a:t>
             </a:r>
           </a:p>
         </p:txBody>
@@ -4667,7 +5240,7 @@
           <p:cNvPr id="3" name="Espace réservé du contenu 2">
             <a:extLst>
               <a:ext uri="{FF2B5EF4-FFF2-40B4-BE49-F238E27FC236}">
-                <a16:creationId xmlns:a16="http://schemas.microsoft.com/office/drawing/2014/main" id="{A46EB299-742F-88EA-3279-B6CB00917676}"/>
+                <a16:creationId xmlns:a16="http://schemas.microsoft.com/office/drawing/2014/main" id="{D9D7C062-87E7-BEA8-710D-12A4B7D06F67}"/>
               </a:ext>
             </a:extLst>
           </p:cNvPr>
@@ -4690,7 +5263,7 @@
     </p:spTree>
     <p:extLst>
       <p:ext uri="{BB962C8B-B14F-4D97-AF65-F5344CB8AC3E}">
-        <p14:creationId xmlns:p14="http://schemas.microsoft.com/office/powerpoint/2010/main" val="3798082446"/>
+        <p14:creationId xmlns:p14="http://schemas.microsoft.com/office/powerpoint/2010/main" val="1985818008"/>
       </p:ext>
     </p:extLst>
   </p:cSld>
@@ -4722,7 +5295,7 @@
           <p:cNvPr id="2" name="Titre 1">
             <a:extLst>
               <a:ext uri="{FF2B5EF4-FFF2-40B4-BE49-F238E27FC236}">
-                <a16:creationId xmlns:a16="http://schemas.microsoft.com/office/drawing/2014/main" id="{8E49E0E6-085D-C797-16B2-EF1201358244}"/>
+                <a16:creationId xmlns:a16="http://schemas.microsoft.com/office/drawing/2014/main" id="{0A046EEC-D4AE-32F5-F4BA-973F73D96558}"/>
               </a:ext>
             </a:extLst>
           </p:cNvPr>
@@ -4740,7 +5313,7 @@
           <a:p>
             <a:r>
               <a:rPr lang="fr-FR" dirty="0"/>
-              <a:t>Chapter 4</a:t>
+              <a:t>Chapter 3</a:t>
             </a:r>
           </a:p>
         </p:txBody>
@@ -4750,7 +5323,7 @@
           <p:cNvPr id="3" name="Espace réservé du contenu 2">
             <a:extLst>
               <a:ext uri="{FF2B5EF4-FFF2-40B4-BE49-F238E27FC236}">
-                <a16:creationId xmlns:a16="http://schemas.microsoft.com/office/drawing/2014/main" id="{EFE2416A-2629-6CB0-D2E7-E81BA8CB3E17}"/>
+                <a16:creationId xmlns:a16="http://schemas.microsoft.com/office/drawing/2014/main" id="{A46EB299-742F-88EA-3279-B6CB00917676}"/>
               </a:ext>
             </a:extLst>
           </p:cNvPr>
@@ -4773,7 +5346,7 @@
     </p:spTree>
     <p:extLst>
       <p:ext uri="{BB962C8B-B14F-4D97-AF65-F5344CB8AC3E}">
-        <p14:creationId xmlns:p14="http://schemas.microsoft.com/office/powerpoint/2010/main" val="1029331973"/>
+        <p14:creationId xmlns:p14="http://schemas.microsoft.com/office/powerpoint/2010/main" val="3798082446"/>
       </p:ext>
     </p:extLst>
   </p:cSld>
